--- a/telosys-dependencies.pptx
+++ b/telosys-dependencies.pptx
@@ -7,6 +7,7 @@
   <p:sldIdLst>
     <p:sldId id="256" r:id="rId2"/>
     <p:sldId id="257" r:id="rId3"/>
+    <p:sldId id="258" r:id="rId4"/>
   </p:sldIdLst>
   <p:sldSz cx="12192000" cy="6858000"/>
   <p:notesSz cx="6858000" cy="9144000"/>
@@ -105,6 +106,11 @@
       </a:defRPr>
     </a:lvl9pPr>
   </p:defaultTextStyle>
+  <p:extLst>
+    <p:ext uri="{EFAFB233-063F-42B5-8137-9DF3F51BA10A}">
+      <p15:sldGuideLst xmlns:p15="http://schemas.microsoft.com/office/powerpoint/2012/main"/>
+    </p:ext>
+  </p:extLst>
 </p:presentation>
 </file>
 
@@ -485,12 +491,18 @@
         </p:nvSpPr>
         <p:spPr>
           <a:xfrm>
-            <a:off x="202334" y="2994896"/>
+            <a:off x="359352" y="3798459"/>
             <a:ext cx="2235200" cy="761998"/>
           </a:xfrm>
           <a:prstGeom prst="rect">
             <a:avLst/>
           </a:prstGeom>
+          <a:solidFill>
+            <a:schemeClr val="accent1">
+              <a:lumMod val="20000"/>
+              <a:lumOff val="80000"/>
+            </a:schemeClr>
+          </a:solidFill>
         </p:spPr>
         <p:style>
           <a:lnRef idx="2">
@@ -544,12 +556,18 @@
         </p:nvSpPr>
         <p:spPr>
           <a:xfrm>
-            <a:off x="8809180" y="3009902"/>
+            <a:off x="8966198" y="3813465"/>
             <a:ext cx="2923309" cy="761998"/>
           </a:xfrm>
           <a:prstGeom prst="rect">
             <a:avLst/>
           </a:prstGeom>
+          <a:solidFill>
+            <a:schemeClr val="accent1">
+              <a:lumMod val="20000"/>
+              <a:lumOff val="80000"/>
+            </a:schemeClr>
+          </a:solidFill>
         </p:spPr>
         <p:style>
           <a:lnRef idx="2">
@@ -592,12 +610,18 @@
         </p:nvSpPr>
         <p:spPr>
           <a:xfrm>
-            <a:off x="3872345" y="1104907"/>
+            <a:off x="4029363" y="1908470"/>
             <a:ext cx="2923309" cy="761998"/>
           </a:xfrm>
           <a:prstGeom prst="rect">
             <a:avLst/>
           </a:prstGeom>
+          <a:solidFill>
+            <a:schemeClr val="accent1">
+              <a:lumMod val="20000"/>
+              <a:lumOff val="80000"/>
+            </a:schemeClr>
+          </a:solidFill>
         </p:spPr>
         <p:style>
           <a:lnRef idx="2">
@@ -651,12 +675,18 @@
         </p:nvSpPr>
         <p:spPr>
           <a:xfrm>
-            <a:off x="3872345" y="3689939"/>
+            <a:off x="4029363" y="4493502"/>
             <a:ext cx="2923309" cy="761998"/>
           </a:xfrm>
           <a:prstGeom prst="rect">
             <a:avLst/>
           </a:prstGeom>
+          <a:solidFill>
+            <a:schemeClr val="accent1">
+              <a:lumMod val="20000"/>
+              <a:lumOff val="80000"/>
+            </a:schemeClr>
+          </a:solidFill>
         </p:spPr>
         <p:style>
           <a:lnRef idx="2">
@@ -699,12 +729,18 @@
         </p:nvSpPr>
         <p:spPr>
           <a:xfrm>
-            <a:off x="3872345" y="2299853"/>
+            <a:off x="4029363" y="3103416"/>
             <a:ext cx="2923309" cy="761998"/>
           </a:xfrm>
           <a:prstGeom prst="rect">
             <a:avLst/>
           </a:prstGeom>
+          <a:solidFill>
+            <a:schemeClr val="accent1">
+              <a:lumMod val="20000"/>
+              <a:lumOff val="80000"/>
+            </a:schemeClr>
+          </a:solidFill>
         </p:spPr>
         <p:style>
           <a:lnRef idx="2">
@@ -766,12 +802,18 @@
         </p:nvSpPr>
         <p:spPr>
           <a:xfrm>
-            <a:off x="3872344" y="4888940"/>
+            <a:off x="4029362" y="5692503"/>
             <a:ext cx="2923309" cy="761998"/>
           </a:xfrm>
           <a:prstGeom prst="rect">
             <a:avLst/>
           </a:prstGeom>
+          <a:solidFill>
+            <a:schemeClr val="accent1">
+              <a:lumMod val="20000"/>
+              <a:lumOff val="80000"/>
+            </a:schemeClr>
+          </a:solidFill>
         </p:spPr>
         <p:style>
           <a:lnRef idx="2">
@@ -814,12 +856,18 @@
         </p:nvSpPr>
         <p:spPr>
           <a:xfrm>
-            <a:off x="7569200" y="1090465"/>
+            <a:off x="7726218" y="1894028"/>
             <a:ext cx="2923309" cy="761998"/>
           </a:xfrm>
           <a:prstGeom prst="rect">
             <a:avLst/>
           </a:prstGeom>
+          <a:solidFill>
+            <a:schemeClr val="accent1">
+              <a:lumMod val="20000"/>
+              <a:lumOff val="80000"/>
+            </a:schemeClr>
+          </a:solidFill>
         </p:spPr>
         <p:style>
           <a:lnRef idx="2">
@@ -865,7 +913,7 @@
         </p:nvCxnSpPr>
         <p:spPr>
           <a:xfrm>
-            <a:off x="2437534" y="3375895"/>
+            <a:off x="2594552" y="4179458"/>
             <a:ext cx="6371646" cy="15006"/>
           </a:xfrm>
           <a:prstGeom prst="straightConnector1">
@@ -908,7 +956,7 @@
         </p:nvCxnSpPr>
         <p:spPr>
           <a:xfrm flipV="1">
-            <a:off x="2437534" y="1485906"/>
+            <a:off x="2594552" y="2289469"/>
             <a:ext cx="1434811" cy="1889989"/>
           </a:xfrm>
           <a:prstGeom prst="straightConnector1">
@@ -951,7 +999,7 @@
         </p:nvCxnSpPr>
         <p:spPr>
           <a:xfrm>
-            <a:off x="2437534" y="3375895"/>
+            <a:off x="2594552" y="4179458"/>
             <a:ext cx="1434811" cy="695043"/>
           </a:xfrm>
           <a:prstGeom prst="straightConnector1">
@@ -994,7 +1042,7 @@
         </p:nvCxnSpPr>
         <p:spPr>
           <a:xfrm flipV="1">
-            <a:off x="2437534" y="2680852"/>
+            <a:off x="2594552" y="3484415"/>
             <a:ext cx="1434811" cy="695043"/>
           </a:xfrm>
           <a:prstGeom prst="straightConnector1">
@@ -1037,7 +1085,7 @@
         </p:nvCxnSpPr>
         <p:spPr>
           <a:xfrm flipV="1">
-            <a:off x="6795654" y="1471464"/>
+            <a:off x="6952672" y="2275027"/>
             <a:ext cx="773546" cy="14442"/>
           </a:xfrm>
           <a:prstGeom prst="straightConnector1">
@@ -1079,7 +1127,7 @@
         </p:nvCxnSpPr>
         <p:spPr>
           <a:xfrm>
-            <a:off x="6795654" y="1485906"/>
+            <a:off x="6952672" y="2289469"/>
             <a:ext cx="2013526" cy="1654457"/>
           </a:xfrm>
           <a:prstGeom prst="straightConnector1">
@@ -1120,7 +1168,7 @@
         </p:nvCxnSpPr>
         <p:spPr>
           <a:xfrm>
-            <a:off x="8968505" y="1870935"/>
+            <a:off x="9125523" y="2674498"/>
             <a:ext cx="0" cy="1142997"/>
           </a:xfrm>
           <a:prstGeom prst="straightConnector1">
@@ -1163,7 +1211,7 @@
         </p:nvCxnSpPr>
         <p:spPr>
           <a:xfrm>
-            <a:off x="5334000" y="1866905"/>
+            <a:off x="5491018" y="2670468"/>
             <a:ext cx="0" cy="432948"/>
           </a:xfrm>
           <a:prstGeom prst="straightConnector1">
@@ -1206,7 +1254,7 @@
         </p:nvCxnSpPr>
         <p:spPr>
           <a:xfrm flipV="1">
-            <a:off x="5334000" y="3061851"/>
+            <a:off x="5491018" y="3865414"/>
             <a:ext cx="0" cy="628088"/>
           </a:xfrm>
           <a:prstGeom prst="straightConnector1">
@@ -1248,7 +1296,7 @@
         </p:nvCxnSpPr>
         <p:spPr>
           <a:xfrm flipV="1">
-            <a:off x="6795654" y="3528291"/>
+            <a:off x="6952672" y="4331854"/>
             <a:ext cx="2013526" cy="542647"/>
           </a:xfrm>
           <a:prstGeom prst="straightConnector1">
@@ -1290,7 +1338,7 @@
         </p:nvCxnSpPr>
         <p:spPr>
           <a:xfrm>
-            <a:off x="6795654" y="2680852"/>
+            <a:off x="6952672" y="3484415"/>
             <a:ext cx="2013526" cy="588820"/>
           </a:xfrm>
           <a:prstGeom prst="straightConnector1">
@@ -1332,7 +1380,7 @@
         </p:nvCxnSpPr>
         <p:spPr>
           <a:xfrm flipV="1">
-            <a:off x="6795653" y="3689939"/>
+            <a:off x="6952671" y="4493502"/>
             <a:ext cx="2013527" cy="1580000"/>
           </a:xfrm>
           <a:prstGeom prst="straightConnector1">
@@ -1373,7 +1421,7 @@
         </p:nvCxnSpPr>
         <p:spPr>
           <a:xfrm flipH="1" flipV="1">
-            <a:off x="4699577" y="3061851"/>
+            <a:off x="4856595" y="3865414"/>
             <a:ext cx="14430" cy="1827089"/>
           </a:xfrm>
           <a:prstGeom prst="straightConnector1">
@@ -1412,12 +1460,18 @@
         </p:nvSpPr>
         <p:spPr>
           <a:xfrm>
-            <a:off x="7637316" y="4888940"/>
-            <a:ext cx="4194464" cy="761998"/>
+            <a:off x="7794334" y="5692503"/>
+            <a:ext cx="4095173" cy="761998"/>
           </a:xfrm>
           <a:prstGeom prst="rect">
             <a:avLst/>
           </a:prstGeom>
+          <a:solidFill>
+            <a:schemeClr val="accent1">
+              <a:lumMod val="20000"/>
+              <a:lumOff val="80000"/>
+            </a:schemeClr>
+          </a:solidFill>
         </p:spPr>
         <p:style>
           <a:lnRef idx="2">
@@ -1463,7 +1517,7 @@
         </p:nvCxnSpPr>
         <p:spPr>
           <a:xfrm>
-            <a:off x="6795653" y="5269939"/>
+            <a:off x="6952671" y="6073502"/>
             <a:ext cx="841663" cy="0"/>
           </a:xfrm>
           <a:prstGeom prst="straightConnector1">
@@ -1504,7 +1558,7 @@
         </p:nvCxnSpPr>
         <p:spPr>
           <a:xfrm flipV="1">
-            <a:off x="8959278" y="3771901"/>
+            <a:off x="9116296" y="4575464"/>
             <a:ext cx="0" cy="1117039"/>
           </a:xfrm>
           <a:prstGeom prst="straightConnector1">
@@ -1547,7 +1601,7 @@
         </p:nvCxnSpPr>
         <p:spPr>
           <a:xfrm>
-            <a:off x="2437534" y="3375895"/>
+            <a:off x="2594552" y="4179458"/>
             <a:ext cx="1434810" cy="1894044"/>
           </a:xfrm>
           <a:prstGeom prst="straightConnector1">
@@ -1586,8 +1640,8 @@
         </p:nvSpPr>
         <p:spPr>
           <a:xfrm>
-            <a:off x="9734548" y="6078664"/>
-            <a:ext cx="1791854" cy="459541"/>
+            <a:off x="10151917" y="5047702"/>
+            <a:ext cx="1737590" cy="367737"/>
           </a:xfrm>
           <a:prstGeom prst="rect">
             <a:avLst/>
@@ -1638,47 +1692,6 @@
           </a:p>
         </p:txBody>
       </p:sp>
-      <p:cxnSp>
-        <p:nvCxnSpPr>
-          <p:cNvPr id="169" name="Connecteur droit avec flèche 168">
-            <a:extLst>
-              <a:ext uri="{FF2B5EF4-FFF2-40B4-BE49-F238E27FC236}">
-                <a16:creationId xmlns:a16="http://schemas.microsoft.com/office/drawing/2014/main" id="{4532E135-9F61-46A8-B9E5-2708B2DF2F41}"/>
-              </a:ext>
-            </a:extLst>
-          </p:cNvPr>
-          <p:cNvCxnSpPr>
-            <a:cxnSpLocks/>
-          </p:cNvCxnSpPr>
-          <p:nvPr/>
-        </p:nvCxnSpPr>
-        <p:spPr>
-          <a:xfrm>
-            <a:off x="10332809" y="5650938"/>
-            <a:ext cx="0" cy="427726"/>
-          </a:xfrm>
-          <a:prstGeom prst="straightConnector1">
-            <a:avLst/>
-          </a:prstGeom>
-          <a:ln>
-            <a:tailEnd type="triangle"/>
-          </a:ln>
-        </p:spPr>
-        <p:style>
-          <a:lnRef idx="1">
-            <a:schemeClr val="accent1"/>
-          </a:lnRef>
-          <a:fillRef idx="0">
-            <a:schemeClr val="accent1"/>
-          </a:fillRef>
-          <a:effectRef idx="0">
-            <a:schemeClr val="accent1"/>
-          </a:effectRef>
-          <a:fontRef idx="minor">
-            <a:schemeClr val="tx1"/>
-          </a:fontRef>
-        </p:style>
-      </p:cxnSp>
       <p:sp>
         <p:nvSpPr>
           <p:cNvPr id="175" name="Rectangle 174">
@@ -1693,8 +1706,8 @@
         </p:nvSpPr>
         <p:spPr>
           <a:xfrm>
-            <a:off x="10108621" y="2182075"/>
-            <a:ext cx="1791854" cy="459541"/>
+            <a:off x="10097653" y="3158858"/>
+            <a:ext cx="1791854" cy="367737"/>
           </a:xfrm>
           <a:prstGeom prst="rect">
             <a:avLst/>
@@ -1747,113 +1760,6 @@
       </p:sp>
       <p:cxnSp>
         <p:nvCxnSpPr>
-          <p:cNvPr id="176" name="Connecteur droit avec flèche 175">
-            <a:extLst>
-              <a:ext uri="{FF2B5EF4-FFF2-40B4-BE49-F238E27FC236}">
-                <a16:creationId xmlns:a16="http://schemas.microsoft.com/office/drawing/2014/main" id="{D9FB26B9-2847-4603-A849-E67F618823A0}"/>
-              </a:ext>
-            </a:extLst>
-          </p:cNvPr>
-          <p:cNvCxnSpPr>
-            <a:cxnSpLocks/>
-          </p:cNvCxnSpPr>
-          <p:nvPr/>
-        </p:nvCxnSpPr>
-        <p:spPr>
-          <a:xfrm flipV="1">
-            <a:off x="10623756" y="2626610"/>
-            <a:ext cx="0" cy="368286"/>
-          </a:xfrm>
-          <a:prstGeom prst="straightConnector1">
-            <a:avLst/>
-          </a:prstGeom>
-          <a:ln>
-            <a:tailEnd type="triangle"/>
-          </a:ln>
-        </p:spPr>
-        <p:style>
-          <a:lnRef idx="1">
-            <a:schemeClr val="accent1"/>
-          </a:lnRef>
-          <a:fillRef idx="0">
-            <a:schemeClr val="accent1"/>
-          </a:fillRef>
-          <a:effectRef idx="0">
-            <a:schemeClr val="accent1"/>
-          </a:effectRef>
-          <a:fontRef idx="minor">
-            <a:schemeClr val="tx1"/>
-          </a:fontRef>
-        </p:style>
-      </p:cxnSp>
-      <p:sp>
-        <p:nvSpPr>
-          <p:cNvPr id="178" name="Rectangle 177">
-            <a:extLst>
-              <a:ext uri="{FF2B5EF4-FFF2-40B4-BE49-F238E27FC236}">
-                <a16:creationId xmlns:a16="http://schemas.microsoft.com/office/drawing/2014/main" id="{D0037362-030C-4EB0-ACC6-323FDB331F3C}"/>
-              </a:ext>
-            </a:extLst>
-          </p:cNvPr>
-          <p:cNvSpPr/>
-          <p:nvPr/>
-        </p:nvSpPr>
-        <p:spPr>
-          <a:xfrm>
-            <a:off x="202334" y="1511881"/>
-            <a:ext cx="2235200" cy="761998"/>
-          </a:xfrm>
-          <a:prstGeom prst="rect">
-            <a:avLst/>
-          </a:prstGeom>
-        </p:spPr>
-        <p:style>
-          <a:lnRef idx="2">
-            <a:schemeClr val="accent1"/>
-          </a:lnRef>
-          <a:fillRef idx="1">
-            <a:schemeClr val="lt1"/>
-          </a:fillRef>
-          <a:effectRef idx="0">
-            <a:schemeClr val="accent1"/>
-          </a:effectRef>
-          <a:fontRef idx="minor">
-            <a:schemeClr val="dk1"/>
-          </a:fontRef>
-        </p:style>
-        <p:txBody>
-          <a:bodyPr lIns="0" rIns="0" rtlCol="0" anchor="ctr"/>
-          <a:lstStyle/>
-          <a:p>
-            <a:pPr algn="ctr"/>
-            <a:r>
-              <a:rPr lang="fr-FR" b="1" dirty="0" err="1"/>
-              <a:t>telosys</a:t>
-            </a:r>
-            <a:r>
-              <a:rPr lang="fr-FR" b="1" dirty="0"/>
-              <a:t>-</a:t>
-            </a:r>
-            <a:r>
-              <a:rPr lang="fr-FR" b="1" dirty="0" err="1"/>
-              <a:t>tools</a:t>
-            </a:r>
-            <a:r>
-              <a:rPr lang="fr-FR" b="1" dirty="0"/>
-              <a:t>-all</a:t>
-            </a:r>
-            <a:br>
-              <a:rPr lang="fr-FR" b="1" dirty="0"/>
-            </a:br>
-            <a:r>
-              <a:rPr lang="fr-FR" b="1" dirty="0"/>
-              <a:t>( fat jar )</a:t>
-            </a:r>
-          </a:p>
-        </p:txBody>
-      </p:sp>
-      <p:cxnSp>
-        <p:nvCxnSpPr>
           <p:cNvPr id="179" name="Connecteur droit avec flèche 178">
             <a:extLst>
               <a:ext uri="{FF2B5EF4-FFF2-40B4-BE49-F238E27FC236}">
@@ -1870,8 +1776,8 @@
         </p:nvCxnSpPr>
         <p:spPr>
           <a:xfrm>
-            <a:off x="1319934" y="2273879"/>
-            <a:ext cx="0" cy="721017"/>
+            <a:off x="1476952" y="2289469"/>
+            <a:ext cx="0" cy="1508990"/>
           </a:xfrm>
           <a:prstGeom prst="straightConnector1">
             <a:avLst/>
@@ -1951,6 +1857,534 @@
                 </a:schemeClr>
               </a:solidFill>
             </a:endParaRPr>
+          </a:p>
+        </p:txBody>
+      </p:sp>
+      <p:cxnSp>
+        <p:nvCxnSpPr>
+          <p:cNvPr id="33" name="Connecteur droit avec flèche 32">
+            <a:extLst>
+              <a:ext uri="{FF2B5EF4-FFF2-40B4-BE49-F238E27FC236}">
+                <a16:creationId xmlns:a16="http://schemas.microsoft.com/office/drawing/2014/main" id="{4C8959E8-50B6-45C8-8AD9-C1BDDBD54F20}"/>
+              </a:ext>
+            </a:extLst>
+          </p:cNvPr>
+          <p:cNvCxnSpPr>
+            <a:cxnSpLocks/>
+          </p:cNvCxnSpPr>
+          <p:nvPr/>
+        </p:nvCxnSpPr>
+        <p:spPr>
+          <a:xfrm flipV="1">
+            <a:off x="10741148" y="5415439"/>
+            <a:ext cx="0" cy="277064"/>
+          </a:xfrm>
+          <a:prstGeom prst="straightConnector1">
+            <a:avLst/>
+          </a:prstGeom>
+          <a:ln>
+            <a:tailEnd type="triangle"/>
+          </a:ln>
+        </p:spPr>
+        <p:style>
+          <a:lnRef idx="1">
+            <a:schemeClr val="accent1"/>
+          </a:lnRef>
+          <a:fillRef idx="0">
+            <a:schemeClr val="accent1"/>
+          </a:fillRef>
+          <a:effectRef idx="0">
+            <a:schemeClr val="accent1"/>
+          </a:effectRef>
+          <a:fontRef idx="minor">
+            <a:schemeClr val="tx1"/>
+          </a:fontRef>
+        </p:style>
+      </p:cxnSp>
+      <p:cxnSp>
+        <p:nvCxnSpPr>
+          <p:cNvPr id="35" name="Connecteur droit avec flèche 34">
+            <a:extLst>
+              <a:ext uri="{FF2B5EF4-FFF2-40B4-BE49-F238E27FC236}">
+                <a16:creationId xmlns:a16="http://schemas.microsoft.com/office/drawing/2014/main" id="{6CCD339A-B37F-411A-B206-EABA2808BE33}"/>
+              </a:ext>
+            </a:extLst>
+          </p:cNvPr>
+          <p:cNvCxnSpPr>
+            <a:cxnSpLocks/>
+          </p:cNvCxnSpPr>
+          <p:nvPr/>
+        </p:nvCxnSpPr>
+        <p:spPr>
+          <a:xfrm flipV="1">
+            <a:off x="10644166" y="3521395"/>
+            <a:ext cx="0" cy="277064"/>
+          </a:xfrm>
+          <a:prstGeom prst="straightConnector1">
+            <a:avLst/>
+          </a:prstGeom>
+          <a:ln>
+            <a:tailEnd type="triangle"/>
+          </a:ln>
+        </p:spPr>
+        <p:style>
+          <a:lnRef idx="1">
+            <a:schemeClr val="accent1"/>
+          </a:lnRef>
+          <a:fillRef idx="0">
+            <a:schemeClr val="accent1"/>
+          </a:fillRef>
+          <a:effectRef idx="0">
+            <a:schemeClr val="accent1"/>
+          </a:effectRef>
+          <a:fontRef idx="minor">
+            <a:schemeClr val="tx1"/>
+          </a:fontRef>
+        </p:style>
+      </p:cxnSp>
+      <p:sp>
+        <p:nvSpPr>
+          <p:cNvPr id="34" name="Rectangle 33">
+            <a:extLst>
+              <a:ext uri="{FF2B5EF4-FFF2-40B4-BE49-F238E27FC236}">
+                <a16:creationId xmlns:a16="http://schemas.microsoft.com/office/drawing/2014/main" id="{E172529F-85EF-4A7C-865E-513DA6891CA9}"/>
+              </a:ext>
+            </a:extLst>
+          </p:cNvPr>
+          <p:cNvSpPr/>
+          <p:nvPr/>
+        </p:nvSpPr>
+        <p:spPr>
+          <a:xfrm>
+            <a:off x="265835" y="404315"/>
+            <a:ext cx="1432503" cy="618599"/>
+          </a:xfrm>
+          <a:prstGeom prst="rect">
+            <a:avLst/>
+          </a:prstGeom>
+          <a:solidFill>
+            <a:schemeClr val="bg1">
+              <a:lumMod val="85000"/>
+            </a:schemeClr>
+          </a:solidFill>
+        </p:spPr>
+        <p:style>
+          <a:lnRef idx="2">
+            <a:schemeClr val="accent1"/>
+          </a:lnRef>
+          <a:fillRef idx="1">
+            <a:schemeClr val="lt1"/>
+          </a:fillRef>
+          <a:effectRef idx="0">
+            <a:schemeClr val="accent1"/>
+          </a:effectRef>
+          <a:fontRef idx="minor">
+            <a:schemeClr val="dk1"/>
+          </a:fontRef>
+        </p:style>
+        <p:txBody>
+          <a:bodyPr lIns="0" rIns="0" rtlCol="0" anchor="ctr"/>
+          <a:lstStyle/>
+          <a:p>
+            <a:pPr algn="ctr"/>
+            <a:r>
+              <a:rPr lang="fr-FR" b="1" dirty="0"/>
+              <a:t>Telosys</a:t>
+            </a:r>
+            <a:br>
+              <a:rPr lang="fr-FR" b="1" dirty="0"/>
+            </a:br>
+            <a:r>
+              <a:rPr lang="fr-FR" b="1" dirty="0"/>
+              <a:t>CLI</a:t>
+            </a:r>
+          </a:p>
+        </p:txBody>
+      </p:sp>
+      <p:sp>
+        <p:nvSpPr>
+          <p:cNvPr id="36" name="Rectangle 35">
+            <a:extLst>
+              <a:ext uri="{FF2B5EF4-FFF2-40B4-BE49-F238E27FC236}">
+                <a16:creationId xmlns:a16="http://schemas.microsoft.com/office/drawing/2014/main" id="{381DDBFF-D962-419C-A8CD-3FE9D0B910C1}"/>
+              </a:ext>
+            </a:extLst>
+          </p:cNvPr>
+          <p:cNvSpPr/>
+          <p:nvPr/>
+        </p:nvSpPr>
+        <p:spPr>
+          <a:xfrm>
+            <a:off x="1878300" y="401314"/>
+            <a:ext cx="1432503" cy="618599"/>
+          </a:xfrm>
+          <a:prstGeom prst="rect">
+            <a:avLst/>
+          </a:prstGeom>
+          <a:solidFill>
+            <a:schemeClr val="bg1">
+              <a:lumMod val="85000"/>
+            </a:schemeClr>
+          </a:solidFill>
+        </p:spPr>
+        <p:style>
+          <a:lnRef idx="2">
+            <a:schemeClr val="accent1"/>
+          </a:lnRef>
+          <a:fillRef idx="1">
+            <a:schemeClr val="lt1"/>
+          </a:fillRef>
+          <a:effectRef idx="0">
+            <a:schemeClr val="accent1"/>
+          </a:effectRef>
+          <a:fontRef idx="minor">
+            <a:schemeClr val="dk1"/>
+          </a:fontRef>
+        </p:style>
+        <p:txBody>
+          <a:bodyPr lIns="0" rIns="0" rtlCol="0" anchor="ctr"/>
+          <a:lstStyle/>
+          <a:p>
+            <a:pPr algn="ctr"/>
+            <a:r>
+              <a:rPr lang="fr-FR" b="1" dirty="0"/>
+              <a:t>Telosys</a:t>
+            </a:r>
+            <a:br>
+              <a:rPr lang="fr-FR" b="1" dirty="0"/>
+            </a:br>
+            <a:r>
+              <a:rPr lang="fr-FR" b="1" dirty="0"/>
+              <a:t>Eclipse</a:t>
+            </a:r>
+          </a:p>
+        </p:txBody>
+      </p:sp>
+      <p:cxnSp>
+        <p:nvCxnSpPr>
+          <p:cNvPr id="38" name="Connecteur droit avec flèche 37">
+            <a:extLst>
+              <a:ext uri="{FF2B5EF4-FFF2-40B4-BE49-F238E27FC236}">
+                <a16:creationId xmlns:a16="http://schemas.microsoft.com/office/drawing/2014/main" id="{4840DE28-B6CD-4B7A-9B8F-8EA527FAC358}"/>
+              </a:ext>
+            </a:extLst>
+          </p:cNvPr>
+          <p:cNvCxnSpPr>
+            <a:cxnSpLocks/>
+          </p:cNvCxnSpPr>
+          <p:nvPr/>
+        </p:nvCxnSpPr>
+        <p:spPr>
+          <a:xfrm>
+            <a:off x="1342320" y="1011022"/>
+            <a:ext cx="0" cy="516449"/>
+          </a:xfrm>
+          <a:prstGeom prst="straightConnector1">
+            <a:avLst/>
+          </a:prstGeom>
+          <a:ln>
+            <a:tailEnd type="triangle"/>
+          </a:ln>
+        </p:spPr>
+        <p:style>
+          <a:lnRef idx="1">
+            <a:schemeClr val="accent1"/>
+          </a:lnRef>
+          <a:fillRef idx="0">
+            <a:schemeClr val="accent1"/>
+          </a:fillRef>
+          <a:effectRef idx="0">
+            <a:schemeClr val="accent1"/>
+          </a:effectRef>
+          <a:fontRef idx="minor">
+            <a:schemeClr val="tx1"/>
+          </a:fontRef>
+        </p:style>
+      </p:cxnSp>
+      <p:cxnSp>
+        <p:nvCxnSpPr>
+          <p:cNvPr id="39" name="Connecteur droit avec flèche 38">
+            <a:extLst>
+              <a:ext uri="{FF2B5EF4-FFF2-40B4-BE49-F238E27FC236}">
+                <a16:creationId xmlns:a16="http://schemas.microsoft.com/office/drawing/2014/main" id="{36F8DED6-D783-4248-B4A7-435D1628686F}"/>
+              </a:ext>
+            </a:extLst>
+          </p:cNvPr>
+          <p:cNvCxnSpPr>
+            <a:cxnSpLocks/>
+          </p:cNvCxnSpPr>
+          <p:nvPr/>
+        </p:nvCxnSpPr>
+        <p:spPr>
+          <a:xfrm>
+            <a:off x="2261338" y="1038330"/>
+            <a:ext cx="0" cy="489141"/>
+          </a:xfrm>
+          <a:prstGeom prst="straightConnector1">
+            <a:avLst/>
+          </a:prstGeom>
+          <a:ln>
+            <a:tailEnd type="triangle"/>
+          </a:ln>
+        </p:spPr>
+        <p:style>
+          <a:lnRef idx="1">
+            <a:schemeClr val="accent1"/>
+          </a:lnRef>
+          <a:fillRef idx="0">
+            <a:schemeClr val="accent1"/>
+          </a:fillRef>
+          <a:effectRef idx="0">
+            <a:schemeClr val="accent1"/>
+          </a:effectRef>
+          <a:fontRef idx="minor">
+            <a:schemeClr val="tx1"/>
+          </a:fontRef>
+        </p:style>
+      </p:cxnSp>
+      <p:sp>
+        <p:nvSpPr>
+          <p:cNvPr id="3" name="Rectangle : coins arrondis 2">
+            <a:extLst>
+              <a:ext uri="{FF2B5EF4-FFF2-40B4-BE49-F238E27FC236}">
+                <a16:creationId xmlns:a16="http://schemas.microsoft.com/office/drawing/2014/main" id="{0990AFDB-4955-4DD3-A119-5929BC918ADA}"/>
+              </a:ext>
+            </a:extLst>
+          </p:cNvPr>
+          <p:cNvSpPr/>
+          <p:nvPr/>
+        </p:nvSpPr>
+        <p:spPr>
+          <a:xfrm>
+            <a:off x="203199" y="1764145"/>
+            <a:ext cx="11868727" cy="4839855"/>
+          </a:xfrm>
+          <a:prstGeom prst="roundRect">
+            <a:avLst>
+              <a:gd name="adj" fmla="val 2986"/>
+            </a:avLst>
+          </a:prstGeom>
+          <a:noFill/>
+        </p:spPr>
+        <p:style>
+          <a:lnRef idx="2">
+            <a:schemeClr val="accent1">
+              <a:shade val="50000"/>
+            </a:schemeClr>
+          </a:lnRef>
+          <a:fillRef idx="1">
+            <a:schemeClr val="accent1"/>
+          </a:fillRef>
+          <a:effectRef idx="0">
+            <a:schemeClr val="accent1"/>
+          </a:effectRef>
+          <a:fontRef idx="minor">
+            <a:schemeClr val="lt1"/>
+          </a:fontRef>
+        </p:style>
+        <p:txBody>
+          <a:bodyPr rtlCol="0" anchor="ctr"/>
+          <a:lstStyle/>
+          <a:p>
+            <a:pPr algn="ctr"/>
+            <a:endParaRPr lang="fr-FR"/>
+          </a:p>
+        </p:txBody>
+      </p:sp>
+      <p:sp>
+        <p:nvSpPr>
+          <p:cNvPr id="178" name="Rectangle 177">
+            <a:extLst>
+              <a:ext uri="{FF2B5EF4-FFF2-40B4-BE49-F238E27FC236}">
+                <a16:creationId xmlns:a16="http://schemas.microsoft.com/office/drawing/2014/main" id="{D0037362-030C-4EB0-ACC6-323FDB331F3C}"/>
+              </a:ext>
+            </a:extLst>
+          </p:cNvPr>
+          <p:cNvSpPr/>
+          <p:nvPr/>
+        </p:nvSpPr>
+        <p:spPr>
+          <a:xfrm>
+            <a:off x="359352" y="1527471"/>
+            <a:ext cx="2235200" cy="761998"/>
+          </a:xfrm>
+          <a:prstGeom prst="rect">
+            <a:avLst/>
+          </a:prstGeom>
+          <a:solidFill>
+            <a:schemeClr val="accent1">
+              <a:lumMod val="40000"/>
+              <a:lumOff val="60000"/>
+            </a:schemeClr>
+          </a:solidFill>
+        </p:spPr>
+        <p:style>
+          <a:lnRef idx="2">
+            <a:schemeClr val="accent1"/>
+          </a:lnRef>
+          <a:fillRef idx="1">
+            <a:schemeClr val="lt1"/>
+          </a:fillRef>
+          <a:effectRef idx="0">
+            <a:schemeClr val="accent1"/>
+          </a:effectRef>
+          <a:fontRef idx="minor">
+            <a:schemeClr val="dk1"/>
+          </a:fontRef>
+        </p:style>
+        <p:txBody>
+          <a:bodyPr lIns="0" rIns="0" rtlCol="0" anchor="ctr"/>
+          <a:lstStyle/>
+          <a:p>
+            <a:pPr algn="ctr"/>
+            <a:r>
+              <a:rPr lang="fr-FR" b="1" dirty="0" err="1"/>
+              <a:t>telosys</a:t>
+            </a:r>
+            <a:r>
+              <a:rPr lang="fr-FR" b="1" dirty="0"/>
+              <a:t>-</a:t>
+            </a:r>
+            <a:r>
+              <a:rPr lang="fr-FR" b="1" dirty="0" err="1"/>
+              <a:t>tools</a:t>
+            </a:r>
+            <a:r>
+              <a:rPr lang="fr-FR" b="1" dirty="0"/>
+              <a:t>-all</a:t>
+            </a:r>
+            <a:br>
+              <a:rPr lang="fr-FR" b="1" dirty="0"/>
+            </a:br>
+            <a:r>
+              <a:rPr lang="fr-FR" sz="1400" b="1" dirty="0"/>
+              <a:t>(</a:t>
+            </a:r>
+            <a:r>
+              <a:rPr lang="fr-FR" sz="1400" b="1" dirty="0" err="1"/>
+              <a:t>telosys</a:t>
+            </a:r>
+            <a:r>
+              <a:rPr lang="fr-FR" sz="1400" b="1" dirty="0"/>
+              <a:t>-</a:t>
+            </a:r>
+            <a:r>
+              <a:rPr lang="fr-FR" sz="1400" b="1" dirty="0" err="1"/>
+              <a:t>tools</a:t>
+            </a:r>
+            <a:r>
+              <a:rPr lang="fr-FR" sz="1400" b="1" dirty="0"/>
+              <a:t>-all-</a:t>
+            </a:r>
+            <a:r>
+              <a:rPr lang="fr-FR" sz="1400" b="1" dirty="0" err="1"/>
+              <a:t>x.x.x</a:t>
+            </a:r>
+            <a:r>
+              <a:rPr lang="fr-FR" sz="1400" b="1" dirty="0"/>
+              <a:t>. jar )</a:t>
+            </a:r>
+            <a:br>
+              <a:rPr lang="fr-FR" sz="1400" b="1" dirty="0"/>
+            </a:br>
+            <a:r>
+              <a:rPr lang="fr-FR" sz="1400" b="1" dirty="0"/>
+              <a:t>Fat JAR</a:t>
+            </a:r>
+            <a:endParaRPr lang="fr-FR" b="1" dirty="0"/>
+          </a:p>
+        </p:txBody>
+      </p:sp>
+      <p:sp>
+        <p:nvSpPr>
+          <p:cNvPr id="45" name="Rectangle 44">
+            <a:extLst>
+              <a:ext uri="{FF2B5EF4-FFF2-40B4-BE49-F238E27FC236}">
+                <a16:creationId xmlns:a16="http://schemas.microsoft.com/office/drawing/2014/main" id="{7DC7BD22-B686-4125-91D3-86918CA686A8}"/>
+              </a:ext>
+            </a:extLst>
+          </p:cNvPr>
+          <p:cNvSpPr/>
+          <p:nvPr/>
+        </p:nvSpPr>
+        <p:spPr>
+          <a:xfrm>
+            <a:off x="362234" y="5502004"/>
+            <a:ext cx="2235200" cy="761998"/>
+          </a:xfrm>
+          <a:prstGeom prst="rect">
+            <a:avLst/>
+          </a:prstGeom>
+          <a:solidFill>
+            <a:schemeClr val="bg1"/>
+          </a:solidFill>
+        </p:spPr>
+        <p:style>
+          <a:lnRef idx="2">
+            <a:schemeClr val="accent1"/>
+          </a:lnRef>
+          <a:fillRef idx="1">
+            <a:schemeClr val="lt1"/>
+          </a:fillRef>
+          <a:effectRef idx="0">
+            <a:schemeClr val="accent1"/>
+          </a:effectRef>
+          <a:fontRef idx="minor">
+            <a:schemeClr val="dk1"/>
+          </a:fontRef>
+        </p:style>
+        <p:txBody>
+          <a:bodyPr lIns="0" rIns="0" rtlCol="0" anchor="ctr"/>
+          <a:lstStyle/>
+          <a:p>
+            <a:pPr algn="ctr"/>
+            <a:r>
+              <a:rPr lang="fr-FR" dirty="0" err="1"/>
+              <a:t>telosys</a:t>
+            </a:r>
+            <a:r>
+              <a:rPr lang="fr-FR" dirty="0"/>
+              <a:t>-</a:t>
+            </a:r>
+            <a:r>
+              <a:rPr lang="fr-FR" dirty="0" err="1"/>
+              <a:t>tools</a:t>
+            </a:r>
+            <a:r>
+              <a:rPr lang="fr-FR" dirty="0"/>
+              <a:t>-parent</a:t>
+            </a:r>
+            <a:br>
+              <a:rPr lang="fr-FR" dirty="0"/>
+            </a:br>
+            <a:r>
+              <a:rPr lang="fr-FR" sz="1400" dirty="0"/>
+              <a:t>( modules )</a:t>
+            </a:r>
+            <a:br>
+              <a:rPr lang="fr-FR" sz="1400" dirty="0"/>
+            </a:br>
+            <a:r>
+              <a:rPr lang="fr-FR" sz="1400" dirty="0"/>
+              <a:t>( </a:t>
+            </a:r>
+            <a:r>
+              <a:rPr lang="fr-FR" sz="1400" dirty="0" err="1"/>
+              <a:t>just</a:t>
+            </a:r>
+            <a:r>
+              <a:rPr lang="fr-FR" sz="1400" dirty="0"/>
+              <a:t> for Maven </a:t>
+            </a:r>
+            <a:r>
+              <a:rPr lang="fr-FR" sz="1400" dirty="0" err="1"/>
+              <a:t>build</a:t>
+            </a:r>
+            <a:r>
+              <a:rPr lang="fr-FR" sz="1400" dirty="0"/>
+              <a:t> )</a:t>
+            </a:r>
+            <a:endParaRPr lang="fr-FR" dirty="0"/>
           </a:p>
         </p:txBody>
       </p:sp>
@@ -2014,10 +2448,140 @@
           </a:prstGeom>
         </p:spPr>
       </p:pic>
+      <p:sp>
+        <p:nvSpPr>
+          <p:cNvPr id="3" name="ZoneTexte 2">
+            <a:extLst>
+              <a:ext uri="{FF2B5EF4-FFF2-40B4-BE49-F238E27FC236}">
+                <a16:creationId xmlns:a16="http://schemas.microsoft.com/office/drawing/2014/main" id="{A7F71797-5E7F-47CD-9B24-9D1057CA4EA5}"/>
+              </a:ext>
+            </a:extLst>
+          </p:cNvPr>
+          <p:cNvSpPr txBox="1"/>
+          <p:nvPr/>
+        </p:nvSpPr>
+        <p:spPr>
+          <a:xfrm>
+            <a:off x="646546" y="803564"/>
+            <a:ext cx="805029" cy="523220"/>
+          </a:xfrm>
+          <a:prstGeom prst="rect">
+            <a:avLst/>
+          </a:prstGeom>
+          <a:noFill/>
+        </p:spPr>
+        <p:txBody>
+          <a:bodyPr wrap="none" rtlCol="0">
+            <a:spAutoFit/>
+          </a:bodyPr>
+          <a:lstStyle/>
+          <a:p>
+            <a:r>
+              <a:rPr lang="fr-FR" sz="2800" b="1" dirty="0"/>
+              <a:t>OLD</a:t>
+            </a:r>
+          </a:p>
+        </p:txBody>
+      </p:sp>
     </p:spTree>
     <p:extLst>
       <p:ext uri="{BB962C8B-B14F-4D97-AF65-F5344CB8AC3E}">
         <p14:creationId xmlns:p14="http://schemas.microsoft.com/office/powerpoint/2010/main" val="3199145580"/>
+      </p:ext>
+    </p:extLst>
+  </p:cSld>
+  <p:clrMapOvr>
+    <a:masterClrMapping/>
+  </p:clrMapOvr>
+</p:sld>
+</file>
+
+<file path=ppt/slides/slide3.xml><?xml version="1.0" encoding="utf-8"?>
+<p:sld xmlns:a="http://schemas.openxmlformats.org/drawingml/2006/main" xmlns:r="http://schemas.openxmlformats.org/officeDocument/2006/relationships" xmlns:p="http://schemas.openxmlformats.org/presentationml/2006/main">
+  <p:cSld>
+    <p:spTree>
+      <p:nvGrpSpPr>
+        <p:cNvPr id="1" name=""/>
+        <p:cNvGrpSpPr/>
+        <p:nvPr/>
+      </p:nvGrpSpPr>
+      <p:grpSpPr>
+        <a:xfrm>
+          <a:off x="0" y="0"/>
+          <a:ext cx="0" cy="0"/>
+          <a:chOff x="0" y="0"/>
+          <a:chExt cx="0" cy="0"/>
+        </a:xfrm>
+      </p:grpSpPr>
+      <p:pic>
+        <p:nvPicPr>
+          <p:cNvPr id="3" name="Image 2">
+            <a:extLst>
+              <a:ext uri="{FF2B5EF4-FFF2-40B4-BE49-F238E27FC236}">
+                <a16:creationId xmlns:a16="http://schemas.microsoft.com/office/drawing/2014/main" id="{D99C0274-5E70-4DDB-BCB5-379303484616}"/>
+              </a:ext>
+            </a:extLst>
+          </p:cNvPr>
+          <p:cNvPicPr>
+            <a:picLocks noChangeAspect="1"/>
+          </p:cNvPicPr>
+          <p:nvPr/>
+        </p:nvPicPr>
+        <p:blipFill>
+          <a:blip r:embed="rId2"/>
+          <a:stretch>
+            <a:fillRect/>
+          </a:stretch>
+        </p:blipFill>
+        <p:spPr>
+          <a:xfrm>
+            <a:off x="2235199" y="231630"/>
+            <a:ext cx="7081982" cy="6371725"/>
+          </a:xfrm>
+          <a:prstGeom prst="rect">
+            <a:avLst/>
+          </a:prstGeom>
+        </p:spPr>
+      </p:pic>
+      <p:sp>
+        <p:nvSpPr>
+          <p:cNvPr id="4" name="ZoneTexte 3">
+            <a:extLst>
+              <a:ext uri="{FF2B5EF4-FFF2-40B4-BE49-F238E27FC236}">
+                <a16:creationId xmlns:a16="http://schemas.microsoft.com/office/drawing/2014/main" id="{7E682F32-1B58-4BE5-9F54-A47CB87216E8}"/>
+              </a:ext>
+            </a:extLst>
+          </p:cNvPr>
+          <p:cNvSpPr txBox="1"/>
+          <p:nvPr/>
+        </p:nvSpPr>
+        <p:spPr>
+          <a:xfrm>
+            <a:off x="646546" y="803564"/>
+            <a:ext cx="922047" cy="523220"/>
+          </a:xfrm>
+          <a:prstGeom prst="rect">
+            <a:avLst/>
+          </a:prstGeom>
+          <a:noFill/>
+        </p:spPr>
+        <p:txBody>
+          <a:bodyPr wrap="none" rtlCol="0">
+            <a:spAutoFit/>
+          </a:bodyPr>
+          <a:lstStyle/>
+          <a:p>
+            <a:r>
+              <a:rPr lang="fr-FR" sz="2800" b="1" dirty="0"/>
+              <a:t>NEW</a:t>
+            </a:r>
+          </a:p>
+        </p:txBody>
+      </p:sp>
+    </p:spTree>
+    <p:extLst>
+      <p:ext uri="{BB962C8B-B14F-4D97-AF65-F5344CB8AC3E}">
+        <p14:creationId xmlns:p14="http://schemas.microsoft.com/office/powerpoint/2010/main" val="678629887"/>
       </p:ext>
     </p:extLst>
   </p:cSld>

--- a/telosys-dependencies.pptx
+++ b/telosys-dependencies.pptx
@@ -477,6 +477,47 @@
           <a:chExt cx="0" cy="0"/>
         </a:xfrm>
       </p:grpSpPr>
+      <p:cxnSp>
+        <p:nvCxnSpPr>
+          <p:cNvPr id="158" name="Connecteur droit avec flèche 157">
+            <a:extLst>
+              <a:ext uri="{FF2B5EF4-FFF2-40B4-BE49-F238E27FC236}">
+                <a16:creationId xmlns:a16="http://schemas.microsoft.com/office/drawing/2014/main" id="{E4D35CBD-709A-4E16-9331-D4DAA5895F93}"/>
+              </a:ext>
+            </a:extLst>
+          </p:cNvPr>
+          <p:cNvCxnSpPr>
+            <a:cxnSpLocks/>
+          </p:cNvCxnSpPr>
+          <p:nvPr/>
+        </p:nvCxnSpPr>
+        <p:spPr>
+          <a:xfrm flipV="1">
+            <a:off x="8326224" y="4804492"/>
+            <a:ext cx="734423" cy="1313365"/>
+          </a:xfrm>
+          <a:prstGeom prst="straightConnector1">
+            <a:avLst/>
+          </a:prstGeom>
+          <a:ln>
+            <a:tailEnd type="triangle"/>
+          </a:ln>
+        </p:spPr>
+        <p:style>
+          <a:lnRef idx="1">
+            <a:schemeClr val="accent1"/>
+          </a:lnRef>
+          <a:fillRef idx="0">
+            <a:schemeClr val="accent1"/>
+          </a:fillRef>
+          <a:effectRef idx="0">
+            <a:schemeClr val="accent1"/>
+          </a:effectRef>
+          <a:fontRef idx="minor">
+            <a:schemeClr val="tx1"/>
+          </a:fontRef>
+        </p:style>
+      </p:cxnSp>
       <p:sp>
         <p:nvSpPr>
           <p:cNvPr id="4" name="Rectangle 3">
@@ -491,7 +532,7 @@
         </p:nvSpPr>
         <p:spPr>
           <a:xfrm>
-            <a:off x="359352" y="3798459"/>
+            <a:off x="317789" y="4103259"/>
             <a:ext cx="2235200" cy="761998"/>
           </a:xfrm>
           <a:prstGeom prst="rect">
@@ -540,57 +581,15 @@
               <a:t>-api</a:t>
             </a:r>
           </a:p>
-        </p:txBody>
-      </p:sp>
-      <p:sp>
-        <p:nvSpPr>
-          <p:cNvPr id="5" name="Rectangle 4">
-            <a:extLst>
-              <a:ext uri="{FF2B5EF4-FFF2-40B4-BE49-F238E27FC236}">
-                <a16:creationId xmlns:a16="http://schemas.microsoft.com/office/drawing/2014/main" id="{9EEA3F7F-9055-4B77-BA7E-4B0BA2A8A30C}"/>
-              </a:ext>
-            </a:extLst>
-          </p:cNvPr>
-          <p:cNvSpPr/>
-          <p:nvPr/>
-        </p:nvSpPr>
-        <p:spPr>
-          <a:xfrm>
-            <a:off x="8966198" y="3813465"/>
-            <a:ext cx="2923309" cy="761998"/>
-          </a:xfrm>
-          <a:prstGeom prst="rect">
-            <a:avLst/>
-          </a:prstGeom>
-          <a:solidFill>
-            <a:schemeClr val="accent1">
-              <a:lumMod val="20000"/>
-              <a:lumOff val="80000"/>
-            </a:schemeClr>
-          </a:solidFill>
-        </p:spPr>
-        <p:style>
-          <a:lnRef idx="2">
-            <a:schemeClr val="accent1"/>
-          </a:lnRef>
-          <a:fillRef idx="1">
-            <a:schemeClr val="lt1"/>
-          </a:fillRef>
-          <a:effectRef idx="0">
-            <a:schemeClr val="accent1"/>
-          </a:effectRef>
-          <a:fontRef idx="minor">
-            <a:schemeClr val="dk1"/>
-          </a:fontRef>
-        </p:style>
-        <p:txBody>
-          <a:bodyPr lIns="0" rIns="0" rtlCol="0" anchor="ctr"/>
-          <a:lstStyle/>
           <a:p>
             <a:pPr algn="ctr"/>
             <a:r>
-              <a:rPr lang="fr-FR" dirty="0" err="1"/>
-              <a:t>telosys-tools-commons</a:t>
+              <a:rPr lang="fr-FR" sz="1600" dirty="0"/>
+              <a:t> </a:t>
+            </a:r>
+            <a:r>
+              <a:rPr lang="fr-FR" sz="1200" dirty="0"/>
+              <a:t>TelosysApiVersion.java</a:t>
             </a:r>
             <a:endParaRPr lang="fr-FR" dirty="0"/>
           </a:p>
@@ -598,10 +597,10 @@
       </p:sp>
       <p:sp>
         <p:nvSpPr>
-          <p:cNvPr id="6" name="Rectangle 5">
-            <a:extLst>
-              <a:ext uri="{FF2B5EF4-FFF2-40B4-BE49-F238E27FC236}">
-                <a16:creationId xmlns:a16="http://schemas.microsoft.com/office/drawing/2014/main" id="{3213EA83-7065-4691-935D-D17DA6C4F80A}"/>
+          <p:cNvPr id="7" name="Rectangle 6">
+            <a:extLst>
+              <a:ext uri="{FF2B5EF4-FFF2-40B4-BE49-F238E27FC236}">
+                <a16:creationId xmlns:a16="http://schemas.microsoft.com/office/drawing/2014/main" id="{AA47F8B4-E9A9-4314-A51D-CC89A5DB6C2F}"/>
               </a:ext>
             </a:extLst>
           </p:cNvPr>
@@ -610,8 +609,8 @@
         </p:nvSpPr>
         <p:spPr>
           <a:xfrm>
-            <a:off x="4029363" y="1908470"/>
-            <a:ext cx="2923309" cy="761998"/>
+            <a:off x="4893472" y="4753548"/>
+            <a:ext cx="2631944" cy="761998"/>
           </a:xfrm>
           <a:prstGeom prst="rect">
             <a:avLst/>
@@ -643,73 +642,22 @@
           <a:p>
             <a:pPr algn="ctr"/>
             <a:r>
-              <a:rPr lang="fr-FR" dirty="0" err="1"/>
-              <a:t>telosys</a:t>
-            </a:r>
-            <a:r>
+              <a:rPr lang="fr-FR" sz="1400" dirty="0"/>
+              <a:t>(  DSL model )</a:t>
+            </a:r>
+            <a:br>
               <a:rPr lang="fr-FR" dirty="0"/>
-              <a:t>-</a:t>
-            </a:r>
-            <a:r>
-              <a:rPr lang="fr-FR" dirty="0" err="1"/>
-              <a:t>tools</a:t>
-            </a:r>
-            <a:r>
-              <a:rPr lang="fr-FR" dirty="0"/>
-              <a:t>-repository</a:t>
-            </a:r>
-          </a:p>
-        </p:txBody>
-      </p:sp>
-      <p:sp>
-        <p:nvSpPr>
-          <p:cNvPr id="7" name="Rectangle 6">
-            <a:extLst>
-              <a:ext uri="{FF2B5EF4-FFF2-40B4-BE49-F238E27FC236}">
-                <a16:creationId xmlns:a16="http://schemas.microsoft.com/office/drawing/2014/main" id="{AA47F8B4-E9A9-4314-A51D-CC89A5DB6C2F}"/>
-              </a:ext>
-            </a:extLst>
-          </p:cNvPr>
-          <p:cNvSpPr/>
-          <p:nvPr/>
-        </p:nvSpPr>
-        <p:spPr>
-          <a:xfrm>
-            <a:off x="4029363" y="4493502"/>
-            <a:ext cx="2923309" cy="761998"/>
-          </a:xfrm>
-          <a:prstGeom prst="rect">
-            <a:avLst/>
-          </a:prstGeom>
-          <a:solidFill>
-            <a:schemeClr val="accent1">
-              <a:lumMod val="20000"/>
-              <a:lumOff val="80000"/>
-            </a:schemeClr>
-          </a:solidFill>
-        </p:spPr>
-        <p:style>
-          <a:lnRef idx="2">
-            <a:schemeClr val="accent1"/>
-          </a:lnRef>
-          <a:fillRef idx="1">
-            <a:schemeClr val="lt1"/>
-          </a:fillRef>
-          <a:effectRef idx="0">
-            <a:schemeClr val="accent1"/>
-          </a:effectRef>
-          <a:fontRef idx="minor">
-            <a:schemeClr val="dk1"/>
-          </a:fontRef>
-        </p:style>
-        <p:txBody>
-          <a:bodyPr lIns="0" rIns="0" rtlCol="0" anchor="ctr"/>
-          <a:lstStyle/>
-          <a:p>
-            <a:pPr algn="ctr"/>
+            </a:br>
             <a:r>
               <a:rPr lang="fr-FR" dirty="0" err="1"/>
               <a:t>telosys-tools-dsl-parser</a:t>
+            </a:r>
+            <a:br>
+              <a:rPr lang="fr-FR" dirty="0"/>
+            </a:br>
+            <a:r>
+              <a:rPr lang="fr-FR" sz="1200" dirty="0"/>
+              <a:t>DslModelVersion.java</a:t>
             </a:r>
             <a:endParaRPr lang="fr-FR" dirty="0"/>
           </a:p>
@@ -729,7 +677,7 @@
         </p:nvSpPr>
         <p:spPr>
           <a:xfrm>
-            <a:off x="4029363" y="3103416"/>
+            <a:off x="4021138" y="3398703"/>
             <a:ext cx="2923309" cy="761998"/>
           </a:xfrm>
           <a:prstGeom prst="rect">
@@ -762,6 +710,13 @@
           <a:p>
             <a:pPr algn="ctr"/>
             <a:r>
+              <a:rPr lang="fr-FR" sz="1400" dirty="0"/>
+              <a:t>( Abstract model / interfaces )</a:t>
+            </a:r>
+          </a:p>
+          <a:p>
+            <a:pPr algn="ctr"/>
+            <a:r>
               <a:rPr lang="fr-FR" dirty="0" err="1"/>
               <a:t>telosys</a:t>
             </a:r>
@@ -785,6 +740,14 @@
               <a:rPr lang="fr-FR" dirty="0"/>
               <a:t>-model</a:t>
             </a:r>
+            <a:br>
+              <a:rPr lang="fr-FR" dirty="0"/>
+            </a:br>
+            <a:r>
+              <a:rPr lang="fr-FR" sz="1200" dirty="0"/>
+              <a:t>GenericModelVersion.java</a:t>
+            </a:r>
+            <a:endParaRPr lang="fr-FR" dirty="0"/>
           </a:p>
         </p:txBody>
       </p:sp>
@@ -802,8 +765,8 @@
         </p:nvSpPr>
         <p:spPr>
           <a:xfrm>
-            <a:off x="4029362" y="5692503"/>
-            <a:ext cx="2923309" cy="761998"/>
+            <a:off x="4021138" y="2267028"/>
+            <a:ext cx="2919990" cy="761998"/>
           </a:xfrm>
           <a:prstGeom prst="rect">
             <a:avLst/>
@@ -837,6 +800,17 @@
             <a:r>
               <a:rPr lang="fr-FR" dirty="0" err="1"/>
               <a:t>telosys-tools-generator</a:t>
+            </a:r>
+            <a:br>
+              <a:rPr lang="fr-FR" dirty="0"/>
+            </a:br>
+            <a:r>
+              <a:rPr lang="fr-FR" sz="1600" dirty="0"/>
+              <a:t> </a:t>
+            </a:r>
+            <a:r>
+              <a:rPr lang="fr-FR" sz="1200" dirty="0"/>
+              <a:t>GeneratorVersion.java</a:t>
             </a:r>
             <a:endParaRPr lang="fr-FR" dirty="0"/>
           </a:p>
@@ -856,8 +830,8 @@
         </p:nvSpPr>
         <p:spPr>
           <a:xfrm>
-            <a:off x="7726218" y="1894028"/>
-            <a:ext cx="2923309" cy="761998"/>
+            <a:off x="7822210" y="5803379"/>
+            <a:ext cx="2392645" cy="498252"/>
           </a:xfrm>
           <a:prstGeom prst="rect">
             <a:avLst/>
@@ -906,15 +880,16 @@
             </a:extLst>
           </p:cNvPr>
           <p:cNvCxnSpPr>
+            <a:cxnSpLocks/>
             <a:stCxn id="4" idx="3"/>
             <a:endCxn id="5" idx="1"/>
           </p:cNvCxnSpPr>
           <p:nvPr/>
         </p:nvCxnSpPr>
         <p:spPr>
-          <a:xfrm>
-            <a:off x="2594552" y="4179458"/>
-            <a:ext cx="6371646" cy="15006"/>
+          <a:xfrm flipV="1">
+            <a:off x="2552989" y="4480935"/>
+            <a:ext cx="6371646" cy="3323"/>
           </a:xfrm>
           <a:prstGeom prst="straightConnector1">
             <a:avLst/>
@@ -955,9 +930,9 @@
           <p:nvPr/>
         </p:nvCxnSpPr>
         <p:spPr>
-          <a:xfrm flipV="1">
-            <a:off x="2594552" y="2289469"/>
-            <a:ext cx="1434811" cy="1889989"/>
+          <a:xfrm>
+            <a:off x="2552989" y="4484258"/>
+            <a:ext cx="1873187" cy="1583610"/>
           </a:xfrm>
           <a:prstGeom prst="straightConnector1">
             <a:avLst/>
@@ -999,8 +974,8 @@
         </p:nvCxnSpPr>
         <p:spPr>
           <a:xfrm>
-            <a:off x="2594552" y="4179458"/>
-            <a:ext cx="1434811" cy="695043"/>
+            <a:off x="2552989" y="4484258"/>
+            <a:ext cx="2340483" cy="650289"/>
           </a:xfrm>
           <a:prstGeom prst="straightConnector1">
             <a:avLst/>
@@ -1042,14 +1017,14 @@
         </p:nvCxnSpPr>
         <p:spPr>
           <a:xfrm flipV="1">
-            <a:off x="2594552" y="3484415"/>
-            <a:ext cx="1434811" cy="695043"/>
+            <a:off x="2552989" y="3779702"/>
+            <a:ext cx="1468149" cy="704556"/>
           </a:xfrm>
           <a:prstGeom prst="straightConnector1">
             <a:avLst/>
           </a:prstGeom>
-          <a:ln>
-            <a:tailEnd type="triangle"/>
+          <a:ln w="19050">
+            <a:tailEnd type="arrow"/>
           </a:ln>
         </p:spPr>
         <p:style>
@@ -1085,8 +1060,8 @@
         </p:nvCxnSpPr>
         <p:spPr>
           <a:xfrm flipV="1">
-            <a:off x="6952672" y="2275027"/>
-            <a:ext cx="773546" cy="14442"/>
+            <a:off x="6970088" y="6052505"/>
+            <a:ext cx="852122" cy="15363"/>
           </a:xfrm>
           <a:prstGeom prst="straightConnector1">
             <a:avLst/>
@@ -1121,14 +1096,13 @@
           </p:cNvPr>
           <p:cNvCxnSpPr>
             <a:cxnSpLocks/>
-            <a:stCxn id="6" idx="3"/>
           </p:cNvCxnSpPr>
           <p:nvPr/>
         </p:nvCxnSpPr>
         <p:spPr>
           <a:xfrm>
-            <a:off x="6952672" y="2289469"/>
-            <a:ext cx="2013526" cy="1654457"/>
+            <a:off x="8399463" y="2838534"/>
+            <a:ext cx="720951" cy="1339210"/>
           </a:xfrm>
           <a:prstGeom prst="straightConnector1">
             <a:avLst/>
@@ -1163,19 +1137,21 @@
           </p:cNvPr>
           <p:cNvCxnSpPr>
             <a:cxnSpLocks/>
+            <a:stCxn id="9" idx="2"/>
+            <a:endCxn id="8" idx="0"/>
           </p:cNvCxnSpPr>
           <p:nvPr/>
         </p:nvCxnSpPr>
         <p:spPr>
           <a:xfrm>
-            <a:off x="9125523" y="2674498"/>
-            <a:ext cx="0" cy="1142997"/>
+            <a:off x="5481133" y="3029026"/>
+            <a:ext cx="1660" cy="369677"/>
           </a:xfrm>
           <a:prstGeom prst="straightConnector1">
             <a:avLst/>
           </a:prstGeom>
-          <a:ln>
-            <a:tailEnd type="triangle"/>
+          <a:ln w="19050">
+            <a:tailEnd type="arrow"/>
           </a:ln>
         </p:spPr>
         <p:style>
@@ -1204,15 +1180,13 @@
           </p:cNvPr>
           <p:cNvCxnSpPr>
             <a:cxnSpLocks/>
-            <a:stCxn id="6" idx="2"/>
-            <a:endCxn id="8" idx="0"/>
           </p:cNvCxnSpPr>
           <p:nvPr/>
         </p:nvCxnSpPr>
         <p:spPr>
-          <a:xfrm>
-            <a:off x="5491018" y="2670468"/>
-            <a:ext cx="0" cy="432948"/>
+          <a:xfrm flipH="1" flipV="1">
+            <a:off x="4512736" y="4160701"/>
+            <a:ext cx="14673" cy="1683927"/>
           </a:xfrm>
           <a:prstGeom prst="straightConnector1">
             <a:avLst/>
@@ -1247,15 +1221,13 @@
           </p:cNvPr>
           <p:cNvCxnSpPr>
             <a:cxnSpLocks/>
-            <a:stCxn id="7" idx="0"/>
-            <a:endCxn id="8" idx="2"/>
           </p:cNvCxnSpPr>
           <p:nvPr/>
         </p:nvCxnSpPr>
         <p:spPr>
           <a:xfrm flipV="1">
-            <a:off x="5491018" y="3865414"/>
-            <a:ext cx="0" cy="628088"/>
+            <a:off x="5024799" y="4177744"/>
+            <a:ext cx="0" cy="575804"/>
           </a:xfrm>
           <a:prstGeom prst="straightConnector1">
             <a:avLst/>
@@ -1296,8 +1268,8 @@
         </p:nvCxnSpPr>
         <p:spPr>
           <a:xfrm flipV="1">
-            <a:off x="6952672" y="4331854"/>
-            <a:ext cx="2013526" cy="542647"/>
+            <a:off x="7525416" y="4655223"/>
+            <a:ext cx="1399219" cy="479324"/>
           </a:xfrm>
           <a:prstGeom prst="straightConnector1">
             <a:avLst/>
@@ -1338,8 +1310,8 @@
         </p:nvCxnSpPr>
         <p:spPr>
           <a:xfrm>
-            <a:off x="6952672" y="3484415"/>
-            <a:ext cx="2013526" cy="588820"/>
+            <a:off x="6944447" y="3779702"/>
+            <a:ext cx="1965515" cy="567895"/>
           </a:xfrm>
           <a:prstGeom prst="straightConnector1">
             <a:avLst/>
@@ -1379,9 +1351,9 @@
           <p:nvPr/>
         </p:nvCxnSpPr>
         <p:spPr>
-          <a:xfrm flipV="1">
-            <a:off x="6952671" y="4493502"/>
-            <a:ext cx="2013527" cy="1580000"/>
+          <a:xfrm>
+            <a:off x="6941128" y="2648027"/>
+            <a:ext cx="1983507" cy="1529717"/>
           </a:xfrm>
           <a:prstGeom prst="straightConnector1">
             <a:avLst/>
@@ -1416,13 +1388,14 @@
           </p:cNvPr>
           <p:cNvCxnSpPr>
             <a:cxnSpLocks/>
+            <a:stCxn id="6" idx="3"/>
           </p:cNvCxnSpPr>
           <p:nvPr/>
         </p:nvCxnSpPr>
         <p:spPr>
-          <a:xfrm flipH="1" flipV="1">
-            <a:off x="4856595" y="3865414"/>
-            <a:ext cx="14430" cy="1827089"/>
+          <a:xfrm flipV="1">
+            <a:off x="6970088" y="4819497"/>
+            <a:ext cx="1954547" cy="1248371"/>
           </a:xfrm>
           <a:prstGeom prst="straightConnector1">
             <a:avLst/>
@@ -1446,59 +1419,6 @@
           </a:fontRef>
         </p:style>
       </p:cxnSp>
-      <p:sp>
-        <p:nvSpPr>
-          <p:cNvPr id="99" name="Rectangle 98">
-            <a:extLst>
-              <a:ext uri="{FF2B5EF4-FFF2-40B4-BE49-F238E27FC236}">
-                <a16:creationId xmlns:a16="http://schemas.microsoft.com/office/drawing/2014/main" id="{69891467-0AAA-47B9-B684-0CE098F119FF}"/>
-              </a:ext>
-            </a:extLst>
-          </p:cNvPr>
-          <p:cNvSpPr/>
-          <p:nvPr/>
-        </p:nvSpPr>
-        <p:spPr>
-          <a:xfrm>
-            <a:off x="7794334" y="5692503"/>
-            <a:ext cx="4095173" cy="761998"/>
-          </a:xfrm>
-          <a:prstGeom prst="rect">
-            <a:avLst/>
-          </a:prstGeom>
-          <a:solidFill>
-            <a:schemeClr val="accent1">
-              <a:lumMod val="20000"/>
-              <a:lumOff val="80000"/>
-            </a:schemeClr>
-          </a:solidFill>
-        </p:spPr>
-        <p:style>
-          <a:lnRef idx="2">
-            <a:schemeClr val="accent1"/>
-          </a:lnRef>
-          <a:fillRef idx="1">
-            <a:schemeClr val="lt1"/>
-          </a:fillRef>
-          <a:effectRef idx="0">
-            <a:schemeClr val="accent1"/>
-          </a:effectRef>
-          <a:fontRef idx="minor">
-            <a:schemeClr val="dk1"/>
-          </a:fontRef>
-        </p:style>
-        <p:txBody>
-          <a:bodyPr lIns="0" rIns="0" rtlCol="0" anchor="ctr"/>
-          <a:lstStyle/>
-          <a:p>
-            <a:pPr algn="ctr"/>
-            <a:r>
-              <a:rPr lang="fr-FR" dirty="0"/>
-              <a:t>telosys-tools-generator-engine-velocity17</a:t>
-            </a:r>
-          </a:p>
-        </p:txBody>
-      </p:sp>
       <p:cxnSp>
         <p:nvCxnSpPr>
           <p:cNvPr id="100" name="Connecteur droit avec flèche 99">
@@ -1517,49 +1437,8 @@
         </p:nvCxnSpPr>
         <p:spPr>
           <a:xfrm>
-            <a:off x="6952671" y="6073502"/>
-            <a:ext cx="841663" cy="0"/>
-          </a:xfrm>
-          <a:prstGeom prst="straightConnector1">
-            <a:avLst/>
-          </a:prstGeom>
-          <a:ln>
-            <a:tailEnd type="triangle"/>
-          </a:ln>
-        </p:spPr>
-        <p:style>
-          <a:lnRef idx="1">
-            <a:schemeClr val="accent1"/>
-          </a:lnRef>
-          <a:fillRef idx="0">
-            <a:schemeClr val="accent1"/>
-          </a:fillRef>
-          <a:effectRef idx="0">
-            <a:schemeClr val="accent1"/>
-          </a:effectRef>
-          <a:fontRef idx="minor">
-            <a:schemeClr val="tx1"/>
-          </a:fontRef>
-        </p:style>
-      </p:cxnSp>
-      <p:cxnSp>
-        <p:nvCxnSpPr>
-          <p:cNvPr id="158" name="Connecteur droit avec flèche 157">
-            <a:extLst>
-              <a:ext uri="{FF2B5EF4-FFF2-40B4-BE49-F238E27FC236}">
-                <a16:creationId xmlns:a16="http://schemas.microsoft.com/office/drawing/2014/main" id="{E4D35CBD-709A-4E16-9331-D4DAA5895F93}"/>
-              </a:ext>
-            </a:extLst>
-          </p:cNvPr>
-          <p:cNvCxnSpPr>
-            <a:cxnSpLocks/>
-          </p:cNvCxnSpPr>
-          <p:nvPr/>
-        </p:nvCxnSpPr>
-        <p:spPr>
-          <a:xfrm flipV="1">
-            <a:off x="9116296" y="4575464"/>
-            <a:ext cx="0" cy="1117039"/>
+            <a:off x="6941128" y="2648027"/>
+            <a:ext cx="766683" cy="1759"/>
           </a:xfrm>
           <a:prstGeom prst="straightConnector1">
             <a:avLst/>
@@ -1600,15 +1479,15 @@
           <p:nvPr/>
         </p:nvCxnSpPr>
         <p:spPr>
-          <a:xfrm>
-            <a:off x="2594552" y="4179458"/>
-            <a:ext cx="1434810" cy="1894044"/>
+          <a:xfrm flipV="1">
+            <a:off x="2552989" y="2648027"/>
+            <a:ext cx="1468149" cy="1836231"/>
           </a:xfrm>
           <a:prstGeom prst="straightConnector1">
             <a:avLst/>
           </a:prstGeom>
-          <a:ln>
-            <a:tailEnd type="triangle"/>
+          <a:ln w="19050">
+            <a:tailEnd type="arrow"/>
           </a:ln>
         </p:spPr>
         <p:style>
@@ -1640,7 +1519,7 @@
         </p:nvSpPr>
         <p:spPr>
           <a:xfrm>
-            <a:off x="10151917" y="5047702"/>
+            <a:off x="10065394" y="3070503"/>
             <a:ext cx="1737590" cy="367737"/>
           </a:xfrm>
           <a:prstGeom prst="rect">
@@ -1706,7 +1585,7 @@
         </p:nvSpPr>
         <p:spPr>
           <a:xfrm>
-            <a:off x="10097653" y="3158858"/>
+            <a:off x="10070763" y="4937988"/>
             <a:ext cx="1791854" cy="367737"/>
           </a:xfrm>
           <a:prstGeom prst="rect">
@@ -1776,14 +1655,14 @@
         </p:nvCxnSpPr>
         <p:spPr>
           <a:xfrm>
-            <a:off x="1476952" y="2289469"/>
+            <a:off x="1435389" y="2594269"/>
             <a:ext cx="0" cy="1508990"/>
           </a:xfrm>
           <a:prstGeom prst="straightConnector1">
             <a:avLst/>
           </a:prstGeom>
-          <a:ln>
-            <a:tailEnd type="triangle"/>
+          <a:ln w="19050">
+            <a:tailEnd type="arrow"/>
           </a:ln>
         </p:spPr>
         <p:style>
@@ -1871,13 +1750,14 @@
           </p:cNvPr>
           <p:cNvCxnSpPr>
             <a:cxnSpLocks/>
+            <a:endCxn id="168" idx="0"/>
           </p:cNvCxnSpPr>
           <p:nvPr/>
         </p:nvCxnSpPr>
         <p:spPr>
-          <a:xfrm flipV="1">
-            <a:off x="10741148" y="5415439"/>
-            <a:ext cx="0" cy="277064"/>
+          <a:xfrm>
+            <a:off x="10673485" y="2838534"/>
+            <a:ext cx="260704" cy="231969"/>
           </a:xfrm>
           <a:prstGeom prst="straightConnector1">
             <a:avLst/>
@@ -1912,13 +1792,14 @@
           </p:cNvPr>
           <p:cNvCxnSpPr>
             <a:cxnSpLocks/>
+            <a:endCxn id="175" idx="0"/>
           </p:cNvCxnSpPr>
           <p:nvPr/>
         </p:nvCxnSpPr>
         <p:spPr>
-          <a:xfrm flipV="1">
-            <a:off x="10644166" y="3521395"/>
-            <a:ext cx="0" cy="277064"/>
+          <a:xfrm>
+            <a:off x="10599546" y="4570251"/>
+            <a:ext cx="367144" cy="367737"/>
           </a:xfrm>
           <a:prstGeom prst="straightConnector1">
             <a:avLst/>
@@ -1942,124 +1823,6 @@
           </a:fontRef>
         </p:style>
       </p:cxnSp>
-      <p:sp>
-        <p:nvSpPr>
-          <p:cNvPr id="34" name="Rectangle 33">
-            <a:extLst>
-              <a:ext uri="{FF2B5EF4-FFF2-40B4-BE49-F238E27FC236}">
-                <a16:creationId xmlns:a16="http://schemas.microsoft.com/office/drawing/2014/main" id="{E172529F-85EF-4A7C-865E-513DA6891CA9}"/>
-              </a:ext>
-            </a:extLst>
-          </p:cNvPr>
-          <p:cNvSpPr/>
-          <p:nvPr/>
-        </p:nvSpPr>
-        <p:spPr>
-          <a:xfrm>
-            <a:off x="265835" y="404315"/>
-            <a:ext cx="1432503" cy="618599"/>
-          </a:xfrm>
-          <a:prstGeom prst="rect">
-            <a:avLst/>
-          </a:prstGeom>
-          <a:solidFill>
-            <a:schemeClr val="bg1">
-              <a:lumMod val="85000"/>
-            </a:schemeClr>
-          </a:solidFill>
-        </p:spPr>
-        <p:style>
-          <a:lnRef idx="2">
-            <a:schemeClr val="accent1"/>
-          </a:lnRef>
-          <a:fillRef idx="1">
-            <a:schemeClr val="lt1"/>
-          </a:fillRef>
-          <a:effectRef idx="0">
-            <a:schemeClr val="accent1"/>
-          </a:effectRef>
-          <a:fontRef idx="minor">
-            <a:schemeClr val="dk1"/>
-          </a:fontRef>
-        </p:style>
-        <p:txBody>
-          <a:bodyPr lIns="0" rIns="0" rtlCol="0" anchor="ctr"/>
-          <a:lstStyle/>
-          <a:p>
-            <a:pPr algn="ctr"/>
-            <a:r>
-              <a:rPr lang="fr-FR" b="1" dirty="0"/>
-              <a:t>Telosys</a:t>
-            </a:r>
-            <a:br>
-              <a:rPr lang="fr-FR" b="1" dirty="0"/>
-            </a:br>
-            <a:r>
-              <a:rPr lang="fr-FR" b="1" dirty="0"/>
-              <a:t>CLI</a:t>
-            </a:r>
-          </a:p>
-        </p:txBody>
-      </p:sp>
-      <p:sp>
-        <p:nvSpPr>
-          <p:cNvPr id="36" name="Rectangle 35">
-            <a:extLst>
-              <a:ext uri="{FF2B5EF4-FFF2-40B4-BE49-F238E27FC236}">
-                <a16:creationId xmlns:a16="http://schemas.microsoft.com/office/drawing/2014/main" id="{381DDBFF-D962-419C-A8CD-3FE9D0B910C1}"/>
-              </a:ext>
-            </a:extLst>
-          </p:cNvPr>
-          <p:cNvSpPr/>
-          <p:nvPr/>
-        </p:nvSpPr>
-        <p:spPr>
-          <a:xfrm>
-            <a:off x="1878300" y="401314"/>
-            <a:ext cx="1432503" cy="618599"/>
-          </a:xfrm>
-          <a:prstGeom prst="rect">
-            <a:avLst/>
-          </a:prstGeom>
-          <a:solidFill>
-            <a:schemeClr val="bg1">
-              <a:lumMod val="85000"/>
-            </a:schemeClr>
-          </a:solidFill>
-        </p:spPr>
-        <p:style>
-          <a:lnRef idx="2">
-            <a:schemeClr val="accent1"/>
-          </a:lnRef>
-          <a:fillRef idx="1">
-            <a:schemeClr val="lt1"/>
-          </a:fillRef>
-          <a:effectRef idx="0">
-            <a:schemeClr val="accent1"/>
-          </a:effectRef>
-          <a:fontRef idx="minor">
-            <a:schemeClr val="dk1"/>
-          </a:fontRef>
-        </p:style>
-        <p:txBody>
-          <a:bodyPr lIns="0" rIns="0" rtlCol="0" anchor="ctr"/>
-          <a:lstStyle/>
-          <a:p>
-            <a:pPr algn="ctr"/>
-            <a:r>
-              <a:rPr lang="fr-FR" b="1" dirty="0"/>
-              <a:t>Telosys</a:t>
-            </a:r>
-            <a:br>
-              <a:rPr lang="fr-FR" b="1" dirty="0"/>
-            </a:br>
-            <a:r>
-              <a:rPr lang="fr-FR" b="1" dirty="0"/>
-              <a:t>Eclipse</a:t>
-            </a:r>
-          </a:p>
-        </p:txBody>
-      </p:sp>
       <p:cxnSp>
         <p:nvCxnSpPr>
           <p:cNvPr id="38" name="Connecteur droit avec flèche 37">
@@ -2076,14 +1839,14 @@
         </p:nvCxnSpPr>
         <p:spPr>
           <a:xfrm>
-            <a:off x="1342320" y="1011022"/>
-            <a:ext cx="0" cy="516449"/>
+            <a:off x="1245339" y="1168182"/>
+            <a:ext cx="0" cy="659253"/>
           </a:xfrm>
           <a:prstGeom prst="straightConnector1">
             <a:avLst/>
           </a:prstGeom>
-          <a:ln>
-            <a:tailEnd type="triangle"/>
+          <a:ln w="19050">
+            <a:tailEnd type="arrow"/>
           </a:ln>
         </p:spPr>
         <p:style>
@@ -2117,14 +1880,14 @@
         </p:nvCxnSpPr>
         <p:spPr>
           <a:xfrm>
-            <a:off x="2261338" y="1038330"/>
-            <a:ext cx="0" cy="489141"/>
+            <a:off x="2219775" y="1163782"/>
+            <a:ext cx="0" cy="659253"/>
           </a:xfrm>
           <a:prstGeom prst="straightConnector1">
             <a:avLst/>
           </a:prstGeom>
-          <a:ln>
-            <a:tailEnd type="triangle"/>
+          <a:ln w="19050">
+            <a:tailEnd type="arrow"/>
           </a:ln>
         </p:spPr>
         <p:style>
@@ -2156,8 +1919,8 @@
         </p:nvSpPr>
         <p:spPr>
           <a:xfrm>
-            <a:off x="203199" y="1764145"/>
-            <a:ext cx="11868727" cy="4839855"/>
+            <a:off x="161636" y="1542473"/>
+            <a:ext cx="11868727" cy="5098471"/>
           </a:xfrm>
           <a:prstGeom prst="roundRect">
             <a:avLst>
@@ -2205,7 +1968,7 @@
         </p:nvSpPr>
         <p:spPr>
           <a:xfrm>
-            <a:off x="359352" y="1527471"/>
+            <a:off x="317789" y="1832271"/>
             <a:ext cx="2235200" cy="761998"/>
           </a:xfrm>
           <a:prstGeom prst="rect">
@@ -2309,8 +2072,8 @@
         </p:nvSpPr>
         <p:spPr>
           <a:xfrm>
-            <a:off x="362234" y="5502004"/>
-            <a:ext cx="2235200" cy="761998"/>
+            <a:off x="5032640" y="1254530"/>
+            <a:ext cx="2346822" cy="806359"/>
           </a:xfrm>
           <a:prstGeom prst="rect">
             <a:avLst/>
@@ -2359,7 +2122,23 @@
             </a:br>
             <a:r>
               <a:rPr lang="fr-FR" sz="1400" dirty="0"/>
-              <a:t>( modules )</a:t>
+              <a:t>( modules </a:t>
+            </a:r>
+            <a:r>
+              <a:rPr lang="fr-FR" sz="1400" dirty="0" err="1"/>
+              <a:t>list</a:t>
+            </a:r>
+            <a:r>
+              <a:rPr lang="fr-FR" sz="1400" dirty="0"/>
+              <a:t> </a:t>
+            </a:r>
+            <a:r>
+              <a:rPr lang="fr-FR" sz="1400" dirty="0" err="1"/>
+              <a:t>with</a:t>
+            </a:r>
+            <a:r>
+              <a:rPr lang="fr-FR" sz="1400" dirty="0"/>
+              <a:t> version )</a:t>
             </a:r>
             <a:br>
               <a:rPr lang="fr-FR" sz="1400" dirty="0"/>
@@ -2370,7 +2149,15 @@
             </a:r>
             <a:r>
               <a:rPr lang="fr-FR" sz="1400" dirty="0" err="1"/>
-              <a:t>just</a:t>
+              <a:t>used</a:t>
+            </a:r>
+            <a:r>
+              <a:rPr lang="fr-FR" sz="1400" dirty="0"/>
+              <a:t> </a:t>
+            </a:r>
+            <a:r>
+              <a:rPr lang="fr-FR" sz="1400" dirty="0" err="1"/>
+              <a:t>only</a:t>
             </a:r>
             <a:r>
               <a:rPr lang="fr-FR" sz="1400" dirty="0"/>
@@ -2385,6 +2172,424 @@
               <a:t> )</a:t>
             </a:r>
             <a:endParaRPr lang="fr-FR" dirty="0"/>
+          </a:p>
+        </p:txBody>
+      </p:sp>
+      <p:sp>
+        <p:nvSpPr>
+          <p:cNvPr id="99" name="Rectangle 98">
+            <a:extLst>
+              <a:ext uri="{FF2B5EF4-FFF2-40B4-BE49-F238E27FC236}">
+                <a16:creationId xmlns:a16="http://schemas.microsoft.com/office/drawing/2014/main" id="{69891467-0AAA-47B9-B684-0CE098F119FF}"/>
+              </a:ext>
+            </a:extLst>
+          </p:cNvPr>
+          <p:cNvSpPr/>
+          <p:nvPr/>
+        </p:nvSpPr>
+        <p:spPr>
+          <a:xfrm>
+            <a:off x="7707811" y="2384633"/>
+            <a:ext cx="4095173" cy="530306"/>
+          </a:xfrm>
+          <a:prstGeom prst="rect">
+            <a:avLst/>
+          </a:prstGeom>
+          <a:solidFill>
+            <a:schemeClr val="accent1">
+              <a:lumMod val="20000"/>
+              <a:lumOff val="80000"/>
+            </a:schemeClr>
+          </a:solidFill>
+        </p:spPr>
+        <p:style>
+          <a:lnRef idx="2">
+            <a:schemeClr val="accent1"/>
+          </a:lnRef>
+          <a:fillRef idx="1">
+            <a:schemeClr val="lt1"/>
+          </a:fillRef>
+          <a:effectRef idx="0">
+            <a:schemeClr val="accent1"/>
+          </a:effectRef>
+          <a:fontRef idx="minor">
+            <a:schemeClr val="dk1"/>
+          </a:fontRef>
+        </p:style>
+        <p:txBody>
+          <a:bodyPr lIns="0" rIns="0" rtlCol="0" anchor="ctr"/>
+          <a:lstStyle/>
+          <a:p>
+            <a:pPr algn="ctr"/>
+            <a:r>
+              <a:rPr lang="fr-FR" dirty="0"/>
+              <a:t>telosys-tools-generator-engine-velocity17</a:t>
+            </a:r>
+          </a:p>
+        </p:txBody>
+      </p:sp>
+      <p:sp>
+        <p:nvSpPr>
+          <p:cNvPr id="5" name="Rectangle 4">
+            <a:extLst>
+              <a:ext uri="{FF2B5EF4-FFF2-40B4-BE49-F238E27FC236}">
+                <a16:creationId xmlns:a16="http://schemas.microsoft.com/office/drawing/2014/main" id="{9EEA3F7F-9055-4B77-BA7E-4B0BA2A8A30C}"/>
+              </a:ext>
+            </a:extLst>
+          </p:cNvPr>
+          <p:cNvSpPr/>
+          <p:nvPr/>
+        </p:nvSpPr>
+        <p:spPr>
+          <a:xfrm>
+            <a:off x="8924635" y="4196987"/>
+            <a:ext cx="2923309" cy="567895"/>
+          </a:xfrm>
+          <a:prstGeom prst="rect">
+            <a:avLst/>
+          </a:prstGeom>
+          <a:solidFill>
+            <a:schemeClr val="accent1">
+              <a:lumMod val="20000"/>
+              <a:lumOff val="80000"/>
+            </a:schemeClr>
+          </a:solidFill>
+        </p:spPr>
+        <p:style>
+          <a:lnRef idx="2">
+            <a:schemeClr val="accent1"/>
+          </a:lnRef>
+          <a:fillRef idx="1">
+            <a:schemeClr val="lt1"/>
+          </a:fillRef>
+          <a:effectRef idx="0">
+            <a:schemeClr val="accent1"/>
+          </a:effectRef>
+          <a:fontRef idx="minor">
+            <a:schemeClr val="dk1"/>
+          </a:fontRef>
+        </p:style>
+        <p:txBody>
+          <a:bodyPr lIns="0" rIns="0" rtlCol="0" anchor="ctr"/>
+          <a:lstStyle/>
+          <a:p>
+            <a:pPr algn="ctr"/>
+            <a:r>
+              <a:rPr lang="fr-FR" dirty="0" err="1"/>
+              <a:t>telosys-tools-commons</a:t>
+            </a:r>
+            <a:endParaRPr lang="fr-FR" dirty="0"/>
+          </a:p>
+        </p:txBody>
+      </p:sp>
+      <p:sp>
+        <p:nvSpPr>
+          <p:cNvPr id="6" name="Rectangle 5">
+            <a:extLst>
+              <a:ext uri="{FF2B5EF4-FFF2-40B4-BE49-F238E27FC236}">
+                <a16:creationId xmlns:a16="http://schemas.microsoft.com/office/drawing/2014/main" id="{3213EA83-7065-4691-935D-D17DA6C4F80A}"/>
+              </a:ext>
+            </a:extLst>
+          </p:cNvPr>
+          <p:cNvSpPr/>
+          <p:nvPr/>
+        </p:nvSpPr>
+        <p:spPr>
+          <a:xfrm>
+            <a:off x="4426176" y="5686869"/>
+            <a:ext cx="2543912" cy="761998"/>
+          </a:xfrm>
+          <a:prstGeom prst="rect">
+            <a:avLst/>
+          </a:prstGeom>
+          <a:solidFill>
+            <a:schemeClr val="accent1">
+              <a:lumMod val="20000"/>
+              <a:lumOff val="80000"/>
+            </a:schemeClr>
+          </a:solidFill>
+        </p:spPr>
+        <p:style>
+          <a:lnRef idx="2">
+            <a:schemeClr val="accent1"/>
+          </a:lnRef>
+          <a:fillRef idx="1">
+            <a:schemeClr val="lt1"/>
+          </a:fillRef>
+          <a:effectRef idx="0">
+            <a:schemeClr val="accent1"/>
+          </a:effectRef>
+          <a:fontRef idx="minor">
+            <a:schemeClr val="dk1"/>
+          </a:fontRef>
+        </p:style>
+        <p:txBody>
+          <a:bodyPr lIns="0" rIns="0" rtlCol="0" anchor="ctr"/>
+          <a:lstStyle/>
+          <a:p>
+            <a:pPr algn="ctr"/>
+            <a:r>
+              <a:rPr lang="fr-FR" sz="1400" dirty="0"/>
+              <a:t>( DB model )</a:t>
+            </a:r>
+            <a:br>
+              <a:rPr lang="fr-FR" dirty="0"/>
+            </a:br>
+            <a:r>
+              <a:rPr lang="fr-FR" dirty="0" err="1"/>
+              <a:t>telosys</a:t>
+            </a:r>
+            <a:r>
+              <a:rPr lang="fr-FR" dirty="0"/>
+              <a:t>-</a:t>
+            </a:r>
+            <a:r>
+              <a:rPr lang="fr-FR" dirty="0" err="1"/>
+              <a:t>tools</a:t>
+            </a:r>
+            <a:r>
+              <a:rPr lang="fr-FR" dirty="0"/>
+              <a:t>-repository</a:t>
+            </a:r>
+            <a:br>
+              <a:rPr lang="fr-FR" dirty="0"/>
+            </a:br>
+            <a:r>
+              <a:rPr lang="fr-FR" sz="1200" dirty="0"/>
+              <a:t>DbModelVersion.java</a:t>
+            </a:r>
+            <a:endParaRPr lang="fr-FR" dirty="0"/>
+          </a:p>
+        </p:txBody>
+      </p:sp>
+      <p:cxnSp>
+        <p:nvCxnSpPr>
+          <p:cNvPr id="126" name="Connecteur droit avec flèche 125">
+            <a:extLst>
+              <a:ext uri="{FF2B5EF4-FFF2-40B4-BE49-F238E27FC236}">
+                <a16:creationId xmlns:a16="http://schemas.microsoft.com/office/drawing/2014/main" id="{3690ADF4-6F7B-4F31-8B00-6F3E92FEE156}"/>
+              </a:ext>
+            </a:extLst>
+          </p:cNvPr>
+          <p:cNvCxnSpPr>
+            <a:cxnSpLocks/>
+            <a:stCxn id="45" idx="1"/>
+            <a:endCxn id="178" idx="3"/>
+          </p:cNvCxnSpPr>
+          <p:nvPr/>
+        </p:nvCxnSpPr>
+        <p:spPr>
+          <a:xfrm flipH="1">
+            <a:off x="2552989" y="1657710"/>
+            <a:ext cx="2479651" cy="555560"/>
+          </a:xfrm>
+          <a:prstGeom prst="straightConnector1">
+            <a:avLst/>
+          </a:prstGeom>
+          <a:ln w="19050">
+            <a:tailEnd type="arrow"/>
+          </a:ln>
+        </p:spPr>
+        <p:style>
+          <a:lnRef idx="1">
+            <a:schemeClr val="accent1"/>
+          </a:lnRef>
+          <a:fillRef idx="0">
+            <a:schemeClr val="accent1"/>
+          </a:fillRef>
+          <a:effectRef idx="0">
+            <a:schemeClr val="accent1"/>
+          </a:effectRef>
+          <a:fontRef idx="minor">
+            <a:schemeClr val="tx1"/>
+          </a:fontRef>
+        </p:style>
+      </p:cxnSp>
+      <p:sp>
+        <p:nvSpPr>
+          <p:cNvPr id="125" name="Rectangle 124">
+            <a:extLst>
+              <a:ext uri="{FF2B5EF4-FFF2-40B4-BE49-F238E27FC236}">
+                <a16:creationId xmlns:a16="http://schemas.microsoft.com/office/drawing/2014/main" id="{932A1F15-BCA6-4AC9-BD6B-F3795DC3E163}"/>
+              </a:ext>
+            </a:extLst>
+          </p:cNvPr>
+          <p:cNvSpPr/>
+          <p:nvPr/>
+        </p:nvSpPr>
+        <p:spPr>
+          <a:xfrm>
+            <a:off x="3916917" y="1627378"/>
+            <a:ext cx="871272" cy="461665"/>
+          </a:xfrm>
+          <a:prstGeom prst="rect">
+            <a:avLst/>
+          </a:prstGeom>
+          <a:solidFill>
+            <a:schemeClr val="bg1"/>
+          </a:solidFill>
+        </p:spPr>
+        <p:style>
+          <a:lnRef idx="2">
+            <a:schemeClr val="accent1"/>
+          </a:lnRef>
+          <a:fillRef idx="1">
+            <a:schemeClr val="lt1"/>
+          </a:fillRef>
+          <a:effectRef idx="0">
+            <a:schemeClr val="accent1"/>
+          </a:effectRef>
+          <a:fontRef idx="minor">
+            <a:schemeClr val="dk1"/>
+          </a:fontRef>
+        </p:style>
+        <p:txBody>
+          <a:bodyPr lIns="0" rIns="0" rtlCol="0" anchor="ctr"/>
+          <a:lstStyle/>
+          <a:p>
+            <a:pPr algn="ctr"/>
+            <a:r>
+              <a:rPr lang="fr-FR" sz="1200" dirty="0" err="1"/>
+              <a:t>mvn</a:t>
+            </a:r>
+            <a:r>
+              <a:rPr lang="fr-FR" sz="1200" dirty="0"/>
+              <a:t> clean</a:t>
+            </a:r>
+            <a:br>
+              <a:rPr lang="fr-FR" sz="1200" dirty="0"/>
+            </a:br>
+            <a:r>
+              <a:rPr lang="fr-FR" sz="1200" dirty="0" err="1"/>
+              <a:t>mvn</a:t>
+            </a:r>
+            <a:r>
+              <a:rPr lang="fr-FR" sz="1200" dirty="0"/>
+              <a:t> </a:t>
+            </a:r>
+            <a:r>
+              <a:rPr lang="fr-FR" sz="1200" dirty="0" err="1"/>
+              <a:t>install</a:t>
+            </a:r>
+            <a:endParaRPr lang="fr-FR" sz="1200" dirty="0"/>
+          </a:p>
+        </p:txBody>
+      </p:sp>
+      <p:sp>
+        <p:nvSpPr>
+          <p:cNvPr id="34" name="Rectangle 33">
+            <a:extLst>
+              <a:ext uri="{FF2B5EF4-FFF2-40B4-BE49-F238E27FC236}">
+                <a16:creationId xmlns:a16="http://schemas.microsoft.com/office/drawing/2014/main" id="{E172529F-85EF-4A7C-865E-513DA6891CA9}"/>
+              </a:ext>
+            </a:extLst>
+          </p:cNvPr>
+          <p:cNvSpPr/>
+          <p:nvPr/>
+        </p:nvSpPr>
+        <p:spPr>
+          <a:xfrm>
+            <a:off x="161636" y="713984"/>
+            <a:ext cx="1432503" cy="618599"/>
+          </a:xfrm>
+          <a:prstGeom prst="rect">
+            <a:avLst/>
+          </a:prstGeom>
+          <a:solidFill>
+            <a:schemeClr val="bg1">
+              <a:lumMod val="85000"/>
+            </a:schemeClr>
+          </a:solidFill>
+        </p:spPr>
+        <p:style>
+          <a:lnRef idx="2">
+            <a:schemeClr val="accent1"/>
+          </a:lnRef>
+          <a:fillRef idx="1">
+            <a:schemeClr val="lt1"/>
+          </a:fillRef>
+          <a:effectRef idx="0">
+            <a:schemeClr val="accent1"/>
+          </a:effectRef>
+          <a:fontRef idx="minor">
+            <a:schemeClr val="dk1"/>
+          </a:fontRef>
+        </p:style>
+        <p:txBody>
+          <a:bodyPr lIns="0" rIns="0" rtlCol="0" anchor="ctr"/>
+          <a:lstStyle/>
+          <a:p>
+            <a:pPr algn="ctr"/>
+            <a:r>
+              <a:rPr lang="fr-FR" b="1" dirty="0"/>
+              <a:t>Telosys</a:t>
+            </a:r>
+            <a:br>
+              <a:rPr lang="fr-FR" b="1" dirty="0"/>
+            </a:br>
+            <a:r>
+              <a:rPr lang="fr-FR" b="1" dirty="0"/>
+              <a:t>CLI</a:t>
+            </a:r>
+          </a:p>
+        </p:txBody>
+      </p:sp>
+      <p:sp>
+        <p:nvSpPr>
+          <p:cNvPr id="36" name="Rectangle 35">
+            <a:extLst>
+              <a:ext uri="{FF2B5EF4-FFF2-40B4-BE49-F238E27FC236}">
+                <a16:creationId xmlns:a16="http://schemas.microsoft.com/office/drawing/2014/main" id="{381DDBFF-D962-419C-A8CD-3FE9D0B910C1}"/>
+              </a:ext>
+            </a:extLst>
+          </p:cNvPr>
+          <p:cNvSpPr/>
+          <p:nvPr/>
+        </p:nvSpPr>
+        <p:spPr>
+          <a:xfrm>
+            <a:off x="1770835" y="713983"/>
+            <a:ext cx="1432503" cy="618599"/>
+          </a:xfrm>
+          <a:prstGeom prst="rect">
+            <a:avLst/>
+          </a:prstGeom>
+          <a:solidFill>
+            <a:schemeClr val="bg1">
+              <a:lumMod val="85000"/>
+            </a:schemeClr>
+          </a:solidFill>
+        </p:spPr>
+        <p:style>
+          <a:lnRef idx="2">
+            <a:schemeClr val="accent1"/>
+          </a:lnRef>
+          <a:fillRef idx="1">
+            <a:schemeClr val="lt1"/>
+          </a:fillRef>
+          <a:effectRef idx="0">
+            <a:schemeClr val="accent1"/>
+          </a:effectRef>
+          <a:fontRef idx="minor">
+            <a:schemeClr val="dk1"/>
+          </a:fontRef>
+        </p:style>
+        <p:txBody>
+          <a:bodyPr lIns="0" rIns="0" rtlCol="0" anchor="ctr"/>
+          <a:lstStyle/>
+          <a:p>
+            <a:pPr algn="ctr"/>
+            <a:r>
+              <a:rPr lang="fr-FR" b="1" dirty="0"/>
+              <a:t>Telosys</a:t>
+            </a:r>
+            <a:br>
+              <a:rPr lang="fr-FR" b="1" dirty="0"/>
+            </a:br>
+            <a:r>
+              <a:rPr lang="fr-FR" b="1" dirty="0"/>
+              <a:t>Eclipse</a:t>
+            </a:r>
           </a:p>
         </p:txBody>
       </p:sp>
